--- a/system/CMSIS_5/CMSIS/DoxyGen/Core/src/images/ARMv8-M_images.pptx
+++ b/system/CMSIS_5/CMSIS/DoxyGen/Core/src/images/ARMv8-M_images.pptx
@@ -248,7 +248,7 @@
             <a:fld id="{E72D30EF-8F20-0B47-8B5D-39A8BC29E860}" type="datetimeFigureOut">
               <a:rPr lang="en-US" smtClean="0"/>
               <a:pPr/>
-              <a:t>2/19/2020</a:t>
+              <a:t>2/5/2021</a:t>
             </a:fld>
             <a:endParaRPr lang="en-US"/>
           </a:p>
@@ -416,7 +416,7 @@
             <a:fld id="{77EDD36E-1E02-F241-9611-1F1D9EAAD326}" type="datetimeFigureOut">
               <a:rPr lang="en-US" smtClean="0"/>
               <a:pPr/>
-              <a:t>2/19/2020</a:t>
+              <a:t>2/5/2021</a:t>
             </a:fld>
             <a:endParaRPr lang="en-US"/>
           </a:p>
@@ -17948,10 +17948,7 @@
             <a:avLst/>
           </a:prstGeom>
           <a:solidFill>
-            <a:schemeClr val="accent3">
-              <a:lumMod val="20000"/>
-              <a:lumOff val="80000"/>
-            </a:schemeClr>
+            <a:srgbClr val="00B0F0"/>
           </a:solidFill>
           <a:ln w="9525" cap="flat" cmpd="sng" algn="ctr">
             <a:solidFill>
@@ -18034,7 +18031,7 @@
                 <a:ea typeface="+mn-ea"/>
                 <a:cs typeface="Courier New" panose="02070309020205020404" pitchFamily="49" charset="0"/>
               </a:rPr>
-              <a:t>&gt;.s</a:t>
+              <a:t>&gt;.c</a:t>
             </a:r>
             <a:br>
               <a:rPr kumimoji="0" lang="en-US" sz="1400" b="0" i="0" u="none" strike="noStrike" kern="1200" cap="none" spc="0" normalizeH="0" baseline="0" noProof="0" dirty="0">
@@ -18101,7 +18098,7 @@
             <a:avLst/>
           </a:prstGeom>
           <a:solidFill>
-            <a:srgbClr val="C5EDF8"/>
+            <a:srgbClr val="00B0F0"/>
           </a:solidFill>
           <a:ln w="9525" cap="flat" cmpd="sng" algn="ctr">
             <a:solidFill>
@@ -18284,7 +18281,7 @@
             <a:avLst/>
           </a:prstGeom>
           <a:solidFill>
-            <a:srgbClr val="D5D6D6">
+            <a:srgbClr val="B5CDD8">
               <a:alpha val="50000"/>
             </a:srgbClr>
           </a:solidFill>
@@ -18916,10 +18913,7 @@
             <a:avLst/>
           </a:prstGeom>
           <a:solidFill>
-            <a:schemeClr val="accent3">
-              <a:lumMod val="40000"/>
-              <a:lumOff val="60000"/>
-            </a:schemeClr>
+            <a:srgbClr val="00B0F0"/>
           </a:solidFill>
           <a:ln w="9525" cap="flat" cmpd="sng" algn="ctr">
             <a:solidFill>
@@ -19410,7 +19404,7 @@
             <a:avLst/>
           </a:prstGeom>
           <a:solidFill>
-            <a:srgbClr val="D5D6D6">
+            <a:srgbClr val="B5CDD8">
               <a:alpha val="50000"/>
             </a:srgbClr>
           </a:solidFill>
@@ -19781,10 +19775,7 @@
             <a:avLst/>
           </a:prstGeom>
           <a:solidFill>
-            <a:schemeClr val="accent3">
-              <a:lumMod val="20000"/>
-              <a:lumOff val="80000"/>
-            </a:schemeClr>
+            <a:srgbClr val="00B0F0"/>
           </a:solidFill>
           <a:ln w="9525" cap="flat" cmpd="sng" algn="ctr">
             <a:solidFill>
@@ -19867,7 +19858,7 @@
                 <a:ea typeface="+mn-ea"/>
                 <a:cs typeface="Courier New" panose="02070309020205020404" pitchFamily="49" charset="0"/>
               </a:rPr>
-              <a:t>&gt;.s</a:t>
+              <a:t>&gt;.c</a:t>
             </a:r>
             <a:br>
               <a:rPr kumimoji="0" lang="en-US" sz="1400" b="0" i="0" u="none" strike="noStrike" kern="1200" cap="none" spc="0" normalizeH="0" baseline="0" noProof="0" dirty="0">
@@ -19919,7 +19910,7 @@
             <a:avLst/>
           </a:prstGeom>
           <a:solidFill>
-            <a:srgbClr val="C5EDF8"/>
+            <a:srgbClr val="00B0F0"/>
           </a:solidFill>
           <a:ln w="9525" cap="flat" cmpd="sng" algn="ctr">
             <a:solidFill>
@@ -20067,7 +20058,7 @@
             <a:avLst/>
           </a:prstGeom>
           <a:solidFill>
-            <a:srgbClr val="D5D6D6">
+            <a:srgbClr val="B5CDD8">
               <a:alpha val="50000"/>
             </a:srgbClr>
           </a:solidFill>
@@ -20639,10 +20630,7 @@
             <a:avLst/>
           </a:prstGeom>
           <a:solidFill>
-            <a:schemeClr val="accent3">
-              <a:lumMod val="40000"/>
-              <a:lumOff val="60000"/>
-            </a:schemeClr>
+            <a:srgbClr val="00B0F0"/>
           </a:solidFill>
           <a:ln w="9525" cap="flat" cmpd="sng" algn="ctr">
             <a:solidFill>
@@ -21100,7 +21088,7 @@
             <a:avLst/>
           </a:prstGeom>
           <a:solidFill>
-            <a:srgbClr val="D5D6D6">
+            <a:srgbClr val="B5CDD8">
               <a:alpha val="50000"/>
             </a:srgbClr>
           </a:solidFill>
@@ -28858,10 +28846,7 @@
               <a:avLst/>
             </a:prstGeom>
             <a:solidFill>
-              <a:schemeClr val="accent3">
-                <a:lumMod val="20000"/>
-                <a:lumOff val="80000"/>
-              </a:schemeClr>
+              <a:srgbClr val="00B0F0"/>
             </a:solidFill>
             <a:ln w="9525" cap="flat" cmpd="sng" algn="ctr">
               <a:solidFill>
@@ -28927,7 +28912,7 @@
               <a:avLst/>
             </a:prstGeom>
             <a:solidFill>
-              <a:srgbClr val="C5EDF8"/>
+              <a:srgbClr val="00B0F0"/>
             </a:solidFill>
             <a:ln w="9525" cap="flat" cmpd="sng" algn="ctr">
               <a:solidFill>
@@ -29000,8 +28985,8 @@
               <a:avLst/>
             </a:prstGeom>
             <a:solidFill>
-              <a:srgbClr val="D5D6D6">
-                <a:alpha val="50000"/>
+              <a:srgbClr val="B5CDD8">
+                <a:alpha val="49804"/>
               </a:srgbClr>
             </a:solidFill>
             <a:ln w="9525" cap="flat" cmpd="sng" algn="ctr">
@@ -29291,10 +29276,7 @@
             <a:avLst/>
           </a:prstGeom>
           <a:solidFill>
-            <a:schemeClr val="accent3">
-              <a:lumMod val="40000"/>
-              <a:lumOff val="60000"/>
-            </a:schemeClr>
+            <a:srgbClr val="00B0F0"/>
           </a:solidFill>
           <a:ln w="9525" cap="flat" cmpd="sng" algn="ctr">
             <a:solidFill>
@@ -29685,7 +29667,7 @@
             <a:avLst/>
           </a:prstGeom>
           <a:solidFill>
-            <a:srgbClr val="D5D6D6">
+            <a:srgbClr val="B5CDD8">
               <a:alpha val="50000"/>
             </a:srgbClr>
           </a:solidFill>
@@ -39497,6 +39479,15 @@
 </file>
 
 <file path=customXml/item1.xml><?xml version="1.0" encoding="utf-8"?>
+<?mso-contentType ?>
+<FormTemplates xmlns="http://schemas.microsoft.com/sharepoint/v3/contenttype/forms">
+  <Display>DocumentLibraryForm</Display>
+  <Edit>DocumentLibraryForm</Edit>
+  <New>DocumentLibraryForm</New>
+</FormTemplates>
+</file>
+
+<file path=customXml/item2.xml><?xml version="1.0" encoding="utf-8"?>
 <ct:contentTypeSchema xmlns:ct="http://schemas.microsoft.com/office/2006/metadata/contentType" xmlns:ma="http://schemas.microsoft.com/office/2006/metadata/properties/metaAttributes" ct:_="" ma:_="" ma:contentTypeName="Document" ma:contentTypeID="0x010100CAE3FC6E4566A44694FF6BF40EC1C126" ma:contentTypeVersion="0" ma:contentTypeDescription="Create a new document." ma:contentTypeScope="" ma:versionID="0c5b8ba185a47c7168257d800a15637f">
   <xsd:schema xmlns:xsd="http://www.w3.org/2001/XMLSchema" xmlns:xs="http://www.w3.org/2001/XMLSchema" xmlns:p="http://schemas.microsoft.com/office/2006/metadata/properties" targetNamespace="http://schemas.microsoft.com/office/2006/metadata/properties" ma:root="true" ma:fieldsID="c64490b4aec6201516c3a874156f37b2">
     <xsd:element name="properties">
@@ -39610,15 +39601,6 @@
 </ct:contentTypeSchema>
 </file>
 
-<file path=customXml/item2.xml><?xml version="1.0" encoding="utf-8"?>
-<?mso-contentType ?>
-<FormTemplates xmlns="http://schemas.microsoft.com/sharepoint/v3/contenttype/forms">
-  <Display>DocumentLibraryForm</Display>
-  <Edit>DocumentLibraryForm</Edit>
-  <New>DocumentLibraryForm</New>
-</FormTemplates>
-</file>
-
 <file path=customXml/item3.xml><?xml version="1.0" encoding="utf-8"?>
 <p:properties xmlns:p="http://schemas.microsoft.com/office/2006/metadata/properties" xmlns:xsi="http://www.w3.org/2001/XMLSchema-instance">
   <documentManagement/>
@@ -39626,6 +39608,14 @@
 </file>
 
 <file path=customXml/itemProps1.xml><?xml version="1.0" encoding="utf-8"?>
+<ds:datastoreItem xmlns:ds="http://schemas.openxmlformats.org/officeDocument/2006/customXml" ds:itemID="{9C777C69-0744-4BF3-8514-FB149EBD2248}">
+  <ds:schemaRefs>
+    <ds:schemaRef ds:uri="http://schemas.microsoft.com/sharepoint/v3/contenttype/forms"/>
+  </ds:schemaRefs>
+</ds:datastoreItem>
+</file>
+
+<file path=customXml/itemProps2.xml><?xml version="1.0" encoding="utf-8"?>
 <ds:datastoreItem xmlns:ds="http://schemas.openxmlformats.org/officeDocument/2006/customXml" ds:itemID="{FD99A681-1CE7-4872-A113-126DF10B3AAF}">
   <ds:schemaRefs>
     <ds:schemaRef ds:uri="http://schemas.microsoft.com/office/2006/metadata/contentType"/>
@@ -39637,14 +39627,6 @@
     <ds:schemaRef ds:uri="http://purl.org/dc/terms/"/>
     <ds:schemaRef ds:uri="http://schemas.microsoft.com/internal/obd"/>
     <ds:schemaRef ds:uri="http://schemas.microsoft.com/office/infopath/2007/PartnerControls"/>
-  </ds:schemaRefs>
-</ds:datastoreItem>
-</file>
-
-<file path=customXml/itemProps2.xml><?xml version="1.0" encoding="utf-8"?>
-<ds:datastoreItem xmlns:ds="http://schemas.openxmlformats.org/officeDocument/2006/customXml" ds:itemID="{9C777C69-0744-4BF3-8514-FB149EBD2248}">
-  <ds:schemaRefs>
-    <ds:schemaRef ds:uri="http://schemas.microsoft.com/sharepoint/v3/contenttype/forms"/>
   </ds:schemaRefs>
 </ds:datastoreItem>
 </file>
